--- a/Sprint10.Project/HR BUSINESS CASE.pptx
+++ b/Sprint10.Project/HR BUSINESS CASE.pptx
@@ -13481,7 +13481,7 @@
           <a:p>
             <a:fld id="{2EB15B3C-CE7D-42C8-BF05-9016B11A630C}" type="datetime1">
               <a:rPr lang="en-GB" smtClean="0"/>
-              <a:t>21/07/2025</a:t>
+              <a:t>24/07/2025</a:t>
             </a:fld>
             <a:endParaRPr lang="en-GB"/>
           </a:p>
@@ -13659,7 +13659,7 @@
           <a:p>
             <a:fld id="{9E0597DB-DDC0-4790-BCB6-673BFC2B245A}" type="datetime1">
               <a:rPr lang="en-GB" noProof="0" smtClean="0"/>
-              <a:t>21/07/2025</a:t>
+              <a:t>24/07/2025</a:t>
             </a:fld>
             <a:endParaRPr lang="en-GB" noProof="0"/>
           </a:p>
@@ -14651,7 +14651,7 @@
             <a:pPr rtl="0"/>
             <a:fld id="{2BC0035D-29D0-42DB-AB45-FD2D58154BDA}" type="datetime1">
               <a:rPr lang="en-GB" noProof="0" smtClean="0"/>
-              <a:t>21/07/2025</a:t>
+              <a:t>24/07/2025</a:t>
             </a:fld>
             <a:endParaRPr lang="en-GB" noProof="0"/>
           </a:p>
@@ -14986,7 +14986,7 @@
             <a:pPr rtl="0"/>
             <a:fld id="{68149252-6242-46F9-9BAE-93119892303A}" type="datetime1">
               <a:rPr lang="en-GB" noProof="0" smtClean="0"/>
-              <a:t>21/07/2025</a:t>
+              <a:t>24/07/2025</a:t>
             </a:fld>
             <a:endParaRPr lang="en-GB" noProof="0"/>
           </a:p>
@@ -15170,7 +15170,7 @@
             <a:pPr rtl="0"/>
             <a:fld id="{1E304B5D-7E41-4932-9AEE-FDE01D945F59}" type="datetime1">
               <a:rPr lang="en-GB" noProof="0" smtClean="0"/>
-              <a:t>21/07/2025</a:t>
+              <a:t>24/07/2025</a:t>
             </a:fld>
             <a:endParaRPr lang="en-GB" noProof="0"/>
           </a:p>
@@ -15344,7 +15344,7 @@
             <a:pPr rtl="0"/>
             <a:fld id="{3F892E37-9A97-4876-A379-3DB7F40C9E40}" type="datetime1">
               <a:rPr lang="en-GB" noProof="0" smtClean="0"/>
-              <a:t>21/07/2025</a:t>
+              <a:t>24/07/2025</a:t>
             </a:fld>
             <a:endParaRPr lang="en-GB" noProof="0"/>
           </a:p>
@@ -15625,7 +15625,7 @@
             <a:pPr rtl="0"/>
             <a:fld id="{CF05E4A2-41F1-4FA7-8622-FA97F23066C8}" type="datetime1">
               <a:rPr lang="en-GB" noProof="0" smtClean="0"/>
-              <a:t>21/07/2025</a:t>
+              <a:t>24/07/2025</a:t>
             </a:fld>
             <a:endParaRPr lang="en-GB" noProof="0"/>
           </a:p>
@@ -16024,7 +16024,7 @@
             <a:pPr rtl="0"/>
             <a:fld id="{6884A1CE-81E1-43F4-B111-1B33F22EB311}" type="datetime1">
               <a:rPr lang="en-GB" noProof="0" smtClean="0"/>
-              <a:t>21/07/2025</a:t>
+              <a:t>24/07/2025</a:t>
             </a:fld>
             <a:endParaRPr lang="en-GB" noProof="0"/>
           </a:p>
@@ -16505,7 +16505,7 @@
             <a:pPr rtl="0"/>
             <a:fld id="{B4D1F809-8CA5-4186-AA08-24F648A2EBB4}" type="datetime1">
               <a:rPr lang="en-GB" noProof="0" smtClean="0"/>
-              <a:t>21/07/2025</a:t>
+              <a:t>24/07/2025</a:t>
             </a:fld>
             <a:endParaRPr lang="en-GB" noProof="0"/>
           </a:p>
@@ -16627,7 +16627,7 @@
             <a:pPr rtl="0"/>
             <a:fld id="{77B47FD0-752F-4073-A3B5-48E4BC9D267D}" type="datetime1">
               <a:rPr lang="en-GB" noProof="0" smtClean="0"/>
-              <a:t>21/07/2025</a:t>
+              <a:t>24/07/2025</a:t>
             </a:fld>
             <a:endParaRPr lang="en-GB" noProof="0"/>
           </a:p>
@@ -16725,7 +16725,7 @@
             <a:pPr rtl="0"/>
             <a:fld id="{7F39ED15-CF3B-4B6A-93F2-74DFCBDCB1C9}" type="datetime1">
               <a:rPr lang="en-GB" noProof="0" smtClean="0"/>
-              <a:t>21/07/2025</a:t>
+              <a:t>24/07/2025</a:t>
             </a:fld>
             <a:endParaRPr lang="en-GB" noProof="0"/>
           </a:p>
@@ -17075,7 +17075,7 @@
             <a:pPr rtl="0"/>
             <a:fld id="{EA3C3E9E-348B-439F-A587-1B0EE02BE07E}" type="datetime1">
               <a:rPr lang="en-GB" noProof="0" smtClean="0"/>
-              <a:t>21/07/2025</a:t>
+              <a:t>24/07/2025</a:t>
             </a:fld>
             <a:endParaRPr lang="en-GB" noProof="0"/>
           </a:p>
@@ -17469,7 +17469,7 @@
             <a:pPr rtl="0"/>
             <a:fld id="{32F2C51F-BC62-43BB-99EF-F20BB214652E}" type="datetime1">
               <a:rPr lang="en-GB" noProof="0" smtClean="0"/>
-              <a:t>21/07/2025</a:t>
+              <a:t>24/07/2025</a:t>
             </a:fld>
             <a:endParaRPr lang="en-GB" noProof="0"/>
           </a:p>
@@ -17752,7 +17752,7 @@
             <a:pPr rtl="0"/>
             <a:fld id="{8B38377A-87B2-4F9D-A93F-958134459151}" type="datetime1">
               <a:rPr lang="en-GB" noProof="0" smtClean="0"/>
-              <a:t>21/07/2025</a:t>
+              <a:t>24/07/2025</a:t>
             </a:fld>
             <a:endParaRPr lang="en-GB" noProof="0"/>
           </a:p>
@@ -18693,6 +18693,244 @@
           </a:prstGeom>
         </p:spPr>
       </p:pic>
+      <p:sp>
+        <p:nvSpPr>
+          <p:cNvPr id="3" name="Subtitle 3">
+            <a:extLst>
+              <a:ext uri="{FF2B5EF4-FFF2-40B4-BE49-F238E27FC236}">
+                <a16:creationId xmlns:a16="http://schemas.microsoft.com/office/drawing/2014/main" id="{9E0B7243-539C-7448-6C09-9E75359B1219}"/>
+              </a:ext>
+            </a:extLst>
+          </p:cNvPr>
+          <p:cNvSpPr txBox="1">
+            <a:spLocks/>
+          </p:cNvSpPr>
+          <p:nvPr/>
+        </p:nvSpPr>
+        <p:spPr>
+          <a:xfrm>
+            <a:off x="-88438" y="6419570"/>
+            <a:ext cx="3587778" cy="538807"/>
+          </a:xfrm>
+          <a:prstGeom prst="rect">
+            <a:avLst/>
+          </a:prstGeom>
+        </p:spPr>
+        <p:txBody>
+          <a:bodyPr vert="horz" lIns="91440" tIns="45720" rIns="91440" bIns="45720" rtlCol="0">
+            <a:normAutofit/>
+          </a:bodyPr>
+          <a:lstStyle>
+            <a:lvl1pPr marL="0" indent="0" algn="ctr" defTabSz="914400" rtl="0" eaLnBrk="1" latinLnBrk="0" hangingPunct="1">
+              <a:lnSpc>
+                <a:spcPct val="112000"/>
+              </a:lnSpc>
+              <a:spcBef>
+                <a:spcPts val="0"/>
+              </a:spcBef>
+              <a:spcAft>
+                <a:spcPts val="0"/>
+              </a:spcAft>
+              <a:buFont typeface="Franklin Gothic Book" panose="020B0503020102020204" pitchFamily="34" charset="0"/>
+              <a:buNone/>
+              <a:defRPr sz="2300" kern="1200" baseline="0">
+                <a:solidFill>
+                  <a:schemeClr val="tx2"/>
+                </a:solidFill>
+                <a:latin typeface="+mn-lt"/>
+                <a:ea typeface="+mn-ea"/>
+                <a:cs typeface="+mn-cs"/>
+              </a:defRPr>
+            </a:lvl1pPr>
+            <a:lvl2pPr marL="457200" indent="0" algn="ctr" defTabSz="914400" rtl="0" eaLnBrk="1" latinLnBrk="0" hangingPunct="1">
+              <a:lnSpc>
+                <a:spcPct val="94000"/>
+              </a:lnSpc>
+              <a:spcBef>
+                <a:spcPts val="500"/>
+              </a:spcBef>
+              <a:spcAft>
+                <a:spcPts val="200"/>
+              </a:spcAft>
+              <a:buFont typeface="Franklin Gothic Book" panose="020B0503020102020204" pitchFamily="34" charset="0"/>
+              <a:buNone/>
+              <a:defRPr sz="2000" i="1" kern="1200" baseline="0">
+                <a:solidFill>
+                  <a:schemeClr val="tx2"/>
+                </a:solidFill>
+                <a:latin typeface="+mn-lt"/>
+                <a:ea typeface="+mn-ea"/>
+                <a:cs typeface="+mn-cs"/>
+              </a:defRPr>
+            </a:lvl2pPr>
+            <a:lvl3pPr marL="914400" indent="0" algn="ctr" defTabSz="914400" rtl="0" eaLnBrk="1" latinLnBrk="0" hangingPunct="1">
+              <a:lnSpc>
+                <a:spcPct val="94000"/>
+              </a:lnSpc>
+              <a:spcBef>
+                <a:spcPts val="500"/>
+              </a:spcBef>
+              <a:spcAft>
+                <a:spcPts val="200"/>
+              </a:spcAft>
+              <a:buFont typeface="Franklin Gothic Book" panose="020B0503020102020204" pitchFamily="34" charset="0"/>
+              <a:buNone/>
+              <a:defRPr sz="1800" kern="1200" baseline="0">
+                <a:solidFill>
+                  <a:schemeClr val="tx2"/>
+                </a:solidFill>
+                <a:latin typeface="+mn-lt"/>
+                <a:ea typeface="+mn-ea"/>
+                <a:cs typeface="+mn-cs"/>
+              </a:defRPr>
+            </a:lvl3pPr>
+            <a:lvl4pPr marL="1371600" indent="0" algn="ctr" defTabSz="914400" rtl="0" eaLnBrk="1" latinLnBrk="0" hangingPunct="1">
+              <a:lnSpc>
+                <a:spcPct val="94000"/>
+              </a:lnSpc>
+              <a:spcBef>
+                <a:spcPts val="500"/>
+              </a:spcBef>
+              <a:spcAft>
+                <a:spcPts val="200"/>
+              </a:spcAft>
+              <a:buFont typeface="Franklin Gothic Book" panose="020B0503020102020204" pitchFamily="34" charset="0"/>
+              <a:buNone/>
+              <a:defRPr sz="1600" i="1" kern="1200" baseline="0">
+                <a:solidFill>
+                  <a:schemeClr val="tx2"/>
+                </a:solidFill>
+                <a:latin typeface="+mn-lt"/>
+                <a:ea typeface="+mn-ea"/>
+                <a:cs typeface="+mn-cs"/>
+              </a:defRPr>
+            </a:lvl4pPr>
+            <a:lvl5pPr marL="1828800" indent="0" algn="ctr" defTabSz="914400" rtl="0" eaLnBrk="1" latinLnBrk="0" hangingPunct="1">
+              <a:lnSpc>
+                <a:spcPct val="94000"/>
+              </a:lnSpc>
+              <a:spcBef>
+                <a:spcPts val="500"/>
+              </a:spcBef>
+              <a:spcAft>
+                <a:spcPts val="200"/>
+              </a:spcAft>
+              <a:buFont typeface="Franklin Gothic Book" panose="020B0503020102020204" pitchFamily="34" charset="0"/>
+              <a:buNone/>
+              <a:defRPr sz="1600" kern="1200" baseline="0">
+                <a:solidFill>
+                  <a:schemeClr val="tx2"/>
+                </a:solidFill>
+                <a:latin typeface="+mn-lt"/>
+                <a:ea typeface="+mn-ea"/>
+                <a:cs typeface="+mn-cs"/>
+              </a:defRPr>
+            </a:lvl5pPr>
+            <a:lvl6pPr marL="2286000" indent="0" algn="ctr" defTabSz="914400" rtl="0" eaLnBrk="1" latinLnBrk="0" hangingPunct="1">
+              <a:lnSpc>
+                <a:spcPct val="94000"/>
+              </a:lnSpc>
+              <a:spcBef>
+                <a:spcPts val="500"/>
+              </a:spcBef>
+              <a:spcAft>
+                <a:spcPts val="200"/>
+              </a:spcAft>
+              <a:buFont typeface="Franklin Gothic Book" panose="020B0503020102020204" pitchFamily="34" charset="0"/>
+              <a:buNone/>
+              <a:defRPr sz="1600" i="1" kern="1200" baseline="0">
+                <a:solidFill>
+                  <a:schemeClr val="tx2"/>
+                </a:solidFill>
+                <a:latin typeface="+mn-lt"/>
+                <a:ea typeface="+mn-ea"/>
+                <a:cs typeface="+mn-cs"/>
+              </a:defRPr>
+            </a:lvl6pPr>
+            <a:lvl7pPr marL="2743200" indent="0" algn="ctr" defTabSz="914400" rtl="0" eaLnBrk="1" latinLnBrk="0" hangingPunct="1">
+              <a:lnSpc>
+                <a:spcPct val="94000"/>
+              </a:lnSpc>
+              <a:spcBef>
+                <a:spcPts val="500"/>
+              </a:spcBef>
+              <a:spcAft>
+                <a:spcPts val="200"/>
+              </a:spcAft>
+              <a:buFont typeface="Franklin Gothic Book" panose="020B0503020102020204" pitchFamily="34" charset="0"/>
+              <a:buNone/>
+              <a:defRPr sz="1600" kern="1200" baseline="0">
+                <a:solidFill>
+                  <a:schemeClr val="tx2"/>
+                </a:solidFill>
+                <a:latin typeface="+mn-lt"/>
+                <a:ea typeface="+mn-ea"/>
+                <a:cs typeface="+mn-cs"/>
+              </a:defRPr>
+            </a:lvl7pPr>
+            <a:lvl8pPr marL="3200400" indent="0" algn="ctr" defTabSz="914400" rtl="0" eaLnBrk="1" latinLnBrk="0" hangingPunct="1">
+              <a:lnSpc>
+                <a:spcPct val="94000"/>
+              </a:lnSpc>
+              <a:spcBef>
+                <a:spcPts val="500"/>
+              </a:spcBef>
+              <a:spcAft>
+                <a:spcPts val="200"/>
+              </a:spcAft>
+              <a:buFont typeface="Franklin Gothic Book" panose="020B0503020102020204" pitchFamily="34" charset="0"/>
+              <a:buNone/>
+              <a:defRPr sz="1600" i="1" kern="1200" baseline="0">
+                <a:solidFill>
+                  <a:schemeClr val="tx2"/>
+                </a:solidFill>
+                <a:latin typeface="+mn-lt"/>
+                <a:ea typeface="+mn-ea"/>
+                <a:cs typeface="+mn-cs"/>
+              </a:defRPr>
+            </a:lvl8pPr>
+            <a:lvl9pPr marL="3657600" indent="0" algn="ctr" defTabSz="914400" rtl="0" eaLnBrk="1" latinLnBrk="0" hangingPunct="1">
+              <a:lnSpc>
+                <a:spcPct val="94000"/>
+              </a:lnSpc>
+              <a:spcBef>
+                <a:spcPts val="500"/>
+              </a:spcBef>
+              <a:spcAft>
+                <a:spcPts val="200"/>
+              </a:spcAft>
+              <a:buFont typeface="Franklin Gothic Book" panose="020B0503020102020204" pitchFamily="34" charset="0"/>
+              <a:buNone/>
+              <a:defRPr sz="1600" kern="1200" baseline="0">
+                <a:solidFill>
+                  <a:schemeClr val="tx2"/>
+                </a:solidFill>
+                <a:latin typeface="+mn-lt"/>
+                <a:ea typeface="+mn-ea"/>
+                <a:cs typeface="+mn-cs"/>
+              </a:defRPr>
+            </a:lvl9pPr>
+          </a:lstStyle>
+          <a:p>
+            <a:r>
+              <a:rPr lang="en-GB" sz="1800" dirty="0" err="1">
+                <a:solidFill>
+                  <a:schemeClr val="bg2"/>
+                </a:solidFill>
+              </a:rPr>
+              <a:t>Fco</a:t>
+            </a:r>
+            <a:r>
+              <a:rPr lang="en-GB" sz="1800" dirty="0">
+                <a:solidFill>
+                  <a:schemeClr val="bg2"/>
+                </a:solidFill>
+              </a:rPr>
+              <a:t>. Javier Sanchez</a:t>
+            </a:r>
+          </a:p>
+        </p:txBody>
+      </p:sp>
     </p:spTree>
     <p:extLst>
       <p:ext uri="{BB962C8B-B14F-4D97-AF65-F5344CB8AC3E}">
@@ -19071,10 +19309,10 @@
       </p:sp>
       <p:pic>
         <p:nvPicPr>
-          <p:cNvPr id="6" name="Imagen 5">
+          <p:cNvPr id="4" name="Imagen 3">
             <a:extLst>
               <a:ext uri="{FF2B5EF4-FFF2-40B4-BE49-F238E27FC236}">
-                <a16:creationId xmlns:a16="http://schemas.microsoft.com/office/drawing/2014/main" id="{DD9DEF69-A2E3-602F-5FBE-D2F63AFB057C}"/>
+                <a16:creationId xmlns:a16="http://schemas.microsoft.com/office/drawing/2014/main" id="{F3669393-C467-F760-3F21-B1C04AB7D796}"/>
               </a:ext>
             </a:extLst>
           </p:cNvPr>
@@ -19091,8 +19329,8 @@
         </p:blipFill>
         <p:spPr>
           <a:xfrm>
-            <a:off x="1371600" y="1407278"/>
-            <a:ext cx="9546230" cy="5338843"/>
+            <a:off x="1371600" y="1377648"/>
+            <a:ext cx="9661585" cy="5366012"/>
           </a:xfrm>
           <a:prstGeom prst="rect">
             <a:avLst/>
@@ -22064,7 +22302,7 @@
           <p:nvPr>
             <p:extLst>
               <p:ext uri="{D42A27DB-BD31-4B8C-83A1-F6EECF244321}">
-                <p14:modId xmlns:p14="http://schemas.microsoft.com/office/powerpoint/2010/main" val="247084698"/>
+                <p14:modId xmlns:p14="http://schemas.microsoft.com/office/powerpoint/2010/main" val="2650424429"/>
               </p:ext>
             </p:extLst>
           </p:nvPr>
@@ -22256,7 +22494,7 @@
                   </a:ext>
                 </a:extLst>
               </a:tr>
-              <a:tr h="190500">
+              <a:tr h="201012">
                 <a:tc>
                   <a:txBody>
                     <a:bodyPr/>
@@ -22266,12 +22504,12 @@
                         <a:buNone/>
                       </a:pPr>
                       <a:r>
-                        <a:rPr lang="en-GB" sz="1800" u="none" strike="noStrike">
+                        <a:rPr lang="en-GB" sz="1800" u="none" strike="noStrike" dirty="0">
                           <a:effectLst/>
                         </a:rPr>
                         <a:t>                     3,529,433.51 € </a:t>
                       </a:r>
-                      <a:endParaRPr lang="en-GB" sz="1800" b="1" i="0" u="none" strike="noStrike">
+                      <a:endParaRPr lang="en-GB" sz="1800" b="1" i="0" u="none" strike="noStrike" dirty="0">
                         <a:solidFill>
                           <a:srgbClr val="000000"/>
                         </a:solidFill>
@@ -23374,18 +23612,11 @@
             </a:r>
             <a:r>
               <a:rPr lang="en-GB" sz="2600" dirty="0"/>
-              <a:t>1,5%  to 2% according to industry standards (CIPD), which is around 8 days per year</a:t>
-            </a:r>
-          </a:p>
-          <a:p>
-            <a:pPr lvl="1"/>
+              <a:t>1,5%  to 2% according to industry standards (CIPD), absenteeism in the </a:t>
+            </a:r>
             <a:r>
               <a:rPr lang="en-GB" sz="2600" b="1" dirty="0"/>
-              <a:t>Median in the EU</a:t>
-            </a:r>
-            <a:r>
-              <a:rPr lang="en-GB" sz="2600" dirty="0"/>
-              <a:t>: 3.3%</a:t>
+              <a:t>EU ranges from: 3% to 6%</a:t>
             </a:r>
           </a:p>
           <a:p>
@@ -23909,6 +24140,36 @@
           </a:prstGeom>
         </p:spPr>
       </p:pic>
+      <p:pic>
+        <p:nvPicPr>
+          <p:cNvPr id="4" name="Imagen 3">
+            <a:extLst>
+              <a:ext uri="{FF2B5EF4-FFF2-40B4-BE49-F238E27FC236}">
+                <a16:creationId xmlns:a16="http://schemas.microsoft.com/office/drawing/2014/main" id="{34B856AE-0B32-EBA0-E1DC-9CC30EDA245E}"/>
+              </a:ext>
+            </a:extLst>
+          </p:cNvPr>
+          <p:cNvPicPr>
+            <a:picLocks noChangeAspect="1"/>
+          </p:cNvPicPr>
+          <p:nvPr/>
+        </p:nvPicPr>
+        <p:blipFill>
+          <a:blip r:embed="rId3"/>
+          <a:stretch>
+            <a:fillRect/>
+          </a:stretch>
+        </p:blipFill>
+        <p:spPr>
+          <a:xfrm>
+            <a:off x="4650357" y="2239189"/>
+            <a:ext cx="6762390" cy="1837511"/>
+          </a:xfrm>
+          <a:prstGeom prst="rect">
+            <a:avLst/>
+          </a:prstGeom>
+        </p:spPr>
+      </p:pic>
     </p:spTree>
     <p:extLst>
       <p:ext uri="{BB962C8B-B14F-4D97-AF65-F5344CB8AC3E}">
@@ -24023,7 +24284,7 @@
           <a:p>
             <a:r>
               <a:rPr lang="en-GB" b="1" dirty="0"/>
-              <a:t>The 2 Absenteeism KPI´s are higher than the median of the EU. t</a:t>
+              <a:t>The 2 Absenteeism KPI´s are higher than the median of the EU . t</a:t>
             </a:r>
             <a:r>
               <a:rPr lang="en-GB" dirty="0"/>
@@ -25105,20 +25366,20 @@
 </file>
 
 <file path=customXml/item2.xml><?xml version="1.0" encoding="utf-8"?>
-<p:properties xmlns:p="http://schemas.microsoft.com/office/2006/metadata/properties" xmlns:xsi="http://www.w3.org/2001/XMLSchema-instance" xmlns:pc="http://schemas.microsoft.com/office/infopath/2007/PartnerControls">
-  <documentManagement>
-    <MediaServiceKeyPoints xmlns="71af3243-3dd4-4a8d-8c0d-dd76da1f02a5" xsi:nil="true"/>
-  </documentManagement>
-</p:properties>
-</file>
-
-<file path=customXml/item3.xml><?xml version="1.0" encoding="utf-8"?>
 <?mso-contentType ?>
 <FormTemplates xmlns="http://schemas.microsoft.com/sharepoint/v3/contenttype/forms">
   <Display>DocumentLibraryForm</Display>
   <Edit>DocumentLibraryForm</Edit>
   <New>DocumentLibraryForm</New>
 </FormTemplates>
+</file>
+
+<file path=customXml/item3.xml><?xml version="1.0" encoding="utf-8"?>
+<p:properties xmlns:p="http://schemas.microsoft.com/office/2006/metadata/properties" xmlns:xsi="http://www.w3.org/2001/XMLSchema-instance" xmlns:pc="http://schemas.microsoft.com/office/infopath/2007/PartnerControls">
+  <documentManagement>
+    <MediaServiceKeyPoints xmlns="71af3243-3dd4-4a8d-8c0d-dd76da1f02a5" xsi:nil="true"/>
+  </documentManagement>
+</p:properties>
 </file>
 
 <file path=customXml/itemProps1.xml><?xml version="1.0" encoding="utf-8"?>
@@ -25141,6 +25402,14 @@
 </file>
 
 <file path=customXml/itemProps2.xml><?xml version="1.0" encoding="utf-8"?>
+<ds:datastoreItem xmlns:ds="http://schemas.openxmlformats.org/officeDocument/2006/customXml" ds:itemID="{D26757D5-6F93-45B0-82A2-39BC87D70F3C}">
+  <ds:schemaRefs>
+    <ds:schemaRef ds:uri="http://schemas.microsoft.com/sharepoint/v3/contenttype/forms"/>
+  </ds:schemaRefs>
+</ds:datastoreItem>
+</file>
+
+<file path=customXml/itemProps3.xml><?xml version="1.0" encoding="utf-8"?>
 <ds:datastoreItem xmlns:ds="http://schemas.openxmlformats.org/officeDocument/2006/customXml" ds:itemID="{2E155078-021E-49AB-8F30-C53CA1A5999D}">
   <ds:schemaRefs>
     <ds:schemaRef ds:uri="http://purl.org/dc/elements/1.1/"/>
@@ -25155,12 +25424,4 @@
     <ds:schemaRef ds:uri="http://www.w3.org/XML/1998/namespace"/>
   </ds:schemaRefs>
 </ds:datastoreItem>
-</file>
-
-<file path=customXml/itemProps3.xml><?xml version="1.0" encoding="utf-8"?>
-<ds:datastoreItem xmlns:ds="http://schemas.openxmlformats.org/officeDocument/2006/customXml" ds:itemID="{D26757D5-6F93-45B0-82A2-39BC87D70F3C}">
-  <ds:schemaRefs>
-    <ds:schemaRef ds:uri="http://schemas.microsoft.com/sharepoint/v3/contenttype/forms"/>
-  </ds:schemaRefs>
-</ds:datastoreItem>
 </file>